--- a/graficos presentacion .pptx
+++ b/graficos presentacion .pptx
@@ -1,6 +1,6 @@
 
 <file path=ppt/presentation.xml><?xml version="1.0" encoding="utf-8"?>
-<p:presentation xmlns:a="http://schemas.openxmlformats.org/drawingml/2006/main" xmlns:r="http://schemas.openxmlformats.org/officeDocument/2006/relationships" xmlns:p="http://schemas.openxmlformats.org/presentationml/2006/main" removePersonalInfoOnSave="1" autoCompressPictures="0">
+<p:presentation xmlns:a="http://schemas.openxmlformats.org/drawingml/2006/main" xmlns:r="http://schemas.openxmlformats.org/officeDocument/2006/relationships" xmlns:p="http://schemas.openxmlformats.org/presentationml/2006/main" showSpecialPlsOnTitleSld="0" removePersonalInfoOnSave="1" autoCompressPictures="0">
   <p:sldMasterIdLst>
     <p:sldMasterId id="2147483744" r:id="rId4"/>
   </p:sldMasterIdLst>
@@ -178,7 +178,7 @@
           <p:cNvPr id="2" name="Marcador de encabezado 1">
             <a:extLst>
               <a:ext uri="{FF2B5EF4-FFF2-40B4-BE49-F238E27FC236}">
-                <a16:creationId xmlns:a16="http://schemas.microsoft.com/office/drawing/2014/main" xmlns="" id="{B6644415-FF73-4635-A828-1BF64C3E25C2}"/>
+                <a16:creationId xmlns="" xmlns:a16="http://schemas.microsoft.com/office/drawing/2014/main" id="{B6644415-FF73-4635-A828-1BF64C3E25C2}"/>
               </a:ext>
             </a:extLst>
           </p:cNvPr>
@@ -215,7 +215,7 @@
           <p:cNvPr id="3" name="Marcador de fecha 2">
             <a:extLst>
               <a:ext uri="{FF2B5EF4-FFF2-40B4-BE49-F238E27FC236}">
-                <a16:creationId xmlns:a16="http://schemas.microsoft.com/office/drawing/2014/main" xmlns="" id="{467CFC73-7BBD-42E6-B4E0-AEA52F19C35C}"/>
+                <a16:creationId xmlns="" xmlns:a16="http://schemas.microsoft.com/office/drawing/2014/main" id="{467CFC73-7BBD-42E6-B4E0-AEA52F19C35C}"/>
               </a:ext>
             </a:extLst>
           </p:cNvPr>
@@ -256,7 +256,7 @@
           <p:cNvPr id="4" name="Marcador de pie de página 3">
             <a:extLst>
               <a:ext uri="{FF2B5EF4-FFF2-40B4-BE49-F238E27FC236}">
-                <a16:creationId xmlns:a16="http://schemas.microsoft.com/office/drawing/2014/main" xmlns="" id="{11AABD9E-C2C8-4ECD-A749-AED2FF3758DF}"/>
+                <a16:creationId xmlns="" xmlns:a16="http://schemas.microsoft.com/office/drawing/2014/main" id="{11AABD9E-C2C8-4ECD-A749-AED2FF3758DF}"/>
               </a:ext>
             </a:extLst>
           </p:cNvPr>
@@ -293,7 +293,7 @@
           <p:cNvPr id="5" name="Marcador de número de diapositiva 4">
             <a:extLst>
               <a:ext uri="{FF2B5EF4-FFF2-40B4-BE49-F238E27FC236}">
-                <a16:creationId xmlns:a16="http://schemas.microsoft.com/office/drawing/2014/main" xmlns="" id="{CCD0331F-25B6-4FCB-92B1-E19A50AE74E8}"/>
+                <a16:creationId xmlns="" xmlns:a16="http://schemas.microsoft.com/office/drawing/2014/main" id="{CCD0331F-25B6-4FCB-92B1-E19A50AE74E8}"/>
               </a:ext>
             </a:extLst>
           </p:cNvPr>
@@ -1086,7 +1086,7 @@
           <a:lstStyle/>
           <a:p>
             <a:pPr rtl="0"/>
-            <a:fld id="{F9ED9D5C-6C5E-4E41-A800-98E98BFD3B24}" type="datetime1">
+            <a:fld id="{DF71D214-31C1-4E96-B31D-0D76B505C784}" type="datetime1">
               <a:rPr lang="es-ES" noProof="0" smtClean="0"/>
               <a:t>22/06/2022</a:t>
             </a:fld>
@@ -1426,7 +1426,7 @@
           <a:lstStyle/>
           <a:p>
             <a:pPr rtl="0"/>
-            <a:fld id="{998E2F49-D0B4-4398-9952-0F6C7D2C391C}" type="datetime1">
+            <a:fld id="{EDEEB977-6E54-4AFB-A1F9-2F9F19EF9BFD}" type="datetime1">
               <a:rPr lang="es-ES" noProof="0" smtClean="0"/>
               <a:t>22/06/2022</a:t>
             </a:fld>
@@ -1709,7 +1709,7 @@
           <a:lstStyle/>
           <a:p>
             <a:pPr rtl="0"/>
-            <a:fld id="{2C4C7BC3-C12E-4753-A404-DE93D16DCD68}" type="datetime1">
+            <a:fld id="{C7982B1A-3C23-453A-B2D6-4C546E33A7D9}" type="datetime1">
               <a:rPr lang="es-ES" noProof="0" smtClean="0"/>
               <a:t>22/06/2022</a:t>
             </a:fld>
@@ -2282,7 +2282,7 @@
           <a:lstStyle/>
           <a:p>
             <a:pPr rtl="0"/>
-            <a:fld id="{4FC57FCC-B238-4294-A9C2-8DF07F6466E3}" type="datetime1">
+            <a:fld id="{215349BB-DAF5-4023-89C9-D6AA27D13F8A}" type="datetime1">
               <a:rPr lang="es-ES" noProof="0" smtClean="0"/>
               <a:t>22/06/2022</a:t>
             </a:fld>
@@ -2565,7 +2565,7 @@
           <a:lstStyle/>
           <a:p>
             <a:pPr rtl="0"/>
-            <a:fld id="{5C2F428B-4CD3-4B44-882B-9EE851AB66C6}" type="datetime1">
+            <a:fld id="{63085681-1B0D-4BD9-81C8-1220624F8078}" type="datetime1">
               <a:rPr lang="es-ES" noProof="0" smtClean="0"/>
               <a:t>22/06/2022</a:t>
             </a:fld>
@@ -3132,7 +3132,7 @@
           <a:lstStyle/>
           <a:p>
             <a:pPr rtl="0"/>
-            <a:fld id="{BD00BD2A-6013-48BC-B926-822ECE3AE5D7}" type="datetime1">
+            <a:fld id="{FDE1F6F3-DC11-4DB9-9C68-DAFF13919EBF}" type="datetime1">
               <a:rPr lang="es-ES" noProof="0" smtClean="0"/>
               <a:t>22/06/2022</a:t>
             </a:fld>
@@ -3463,7 +3463,7 @@
           <a:lstStyle/>
           <a:p>
             <a:pPr rtl="0"/>
-            <a:fld id="{C5704F8A-5643-41F0-93C6-F41CB8C85559}" type="datetime1">
+            <a:fld id="{C1A52F5B-205B-46A1-A491-6AF4BEACE3F3}" type="datetime1">
               <a:rPr lang="es-ES" noProof="0" smtClean="0"/>
               <a:t>22/06/2022</a:t>
             </a:fld>
@@ -3672,7 +3672,7 @@
           <a:lstStyle/>
           <a:p>
             <a:pPr rtl="0"/>
-            <a:fld id="{D0F58AF2-8A9E-476F-A981-BB1179E3E96B}" type="datetime1">
+            <a:fld id="{0B45E03A-0938-4586-A98C-90F068C205E8}" type="datetime1">
               <a:rPr lang="es-ES" noProof="0" smtClean="0"/>
               <a:t>22/06/2022</a:t>
             </a:fld>
@@ -3885,7 +3885,7 @@
           <a:lstStyle/>
           <a:p>
             <a:pPr rtl="0"/>
-            <a:fld id="{3F133A77-1A83-4B42-8BD2-D62E592E918F}" type="datetime1">
+            <a:fld id="{D1C6B5F9-C206-4DCB-9BB7-518D47BF3CAE}" type="datetime1">
               <a:rPr lang="es-ES" noProof="0" smtClean="0"/>
               <a:t>22/06/2022</a:t>
             </a:fld>
@@ -4088,7 +4088,7 @@
           <a:lstStyle/>
           <a:p>
             <a:pPr rtl="0"/>
-            <a:fld id="{470C786E-B2E4-4B50-A5C3-3AD13FC87CF7}" type="datetime1">
+            <a:fld id="{F6A7866F-8435-4C69-95F1-CD96C8451774}" type="datetime1">
               <a:rPr lang="es-ES" noProof="0" smtClean="0"/>
               <a:t>22/06/2022</a:t>
             </a:fld>
@@ -4368,7 +4368,7 @@
           <a:lstStyle/>
           <a:p>
             <a:pPr rtl="0"/>
-            <a:fld id="{989091C0-0C1F-4B47-93AF-EC6317D9AC53}" type="datetime1">
+            <a:fld id="{D3C0E73C-FC64-4F27-851E-81326D4E7332}" type="datetime1">
               <a:rPr lang="es-ES" noProof="0" smtClean="0"/>
               <a:t>22/06/2022</a:t>
             </a:fld>
@@ -4637,7 +4637,7 @@
           <a:lstStyle/>
           <a:p>
             <a:pPr rtl="0"/>
-            <a:fld id="{6E8946AA-C9FD-4B63-9E82-1BA3CBEB08D2}" type="datetime1">
+            <a:fld id="{B2DD3803-60E7-4619-A948-95A61F10C20D}" type="datetime1">
               <a:rPr lang="es-ES" noProof="0" smtClean="0"/>
               <a:t>22/06/2022</a:t>
             </a:fld>
@@ -5013,7 +5013,7 @@
           <a:lstStyle/>
           <a:p>
             <a:pPr rtl="0"/>
-            <a:fld id="{27F74E82-BC1E-4ED4-9E0F-0F2E91F047D3}" type="datetime1">
+            <a:fld id="{F3974877-1749-4F6E-88E0-CD95E2988CB2}" type="datetime1">
               <a:rPr lang="es-ES" noProof="0" smtClean="0"/>
               <a:t>22/06/2022</a:t>
             </a:fld>
@@ -5165,7 +5165,7 @@
           <a:lstStyle/>
           <a:p>
             <a:pPr rtl="0"/>
-            <a:fld id="{C098A529-48DD-4F6D-A862-37EF6469A894}" type="datetime1">
+            <a:fld id="{DC036015-E31F-408C-9197-04E1E3EA8606}" type="datetime1">
               <a:rPr lang="es-ES" noProof="0" smtClean="0"/>
               <a:t>22/06/2022</a:t>
             </a:fld>
@@ -5293,7 +5293,7 @@
           <a:lstStyle/>
           <a:p>
             <a:pPr rtl="0"/>
-            <a:fld id="{F2D6DEB3-7E92-49B6-9602-1DCB0328C3A6}" type="datetime1">
+            <a:fld id="{0E9978E4-6CCB-4262-B424-9BD85781CDE4}" type="datetime1">
               <a:rPr lang="es-ES" noProof="0" smtClean="0"/>
               <a:t>22/06/2022</a:t>
             </a:fld>
@@ -5581,7 +5581,7 @@
           <a:lstStyle/>
           <a:p>
             <a:pPr rtl="0"/>
-            <a:fld id="{4ED36CB4-0C9D-4E13-AF99-6DA23D67CA19}" type="datetime1">
+            <a:fld id="{A0F710EC-A0D7-453F-8A87-1034124FE867}" type="datetime1">
               <a:rPr lang="es-ES" noProof="0" smtClean="0"/>
               <a:t>22/06/2022</a:t>
             </a:fld>
@@ -5911,7 +5911,7 @@
           <a:lstStyle/>
           <a:p>
             <a:pPr rtl="0"/>
-            <a:fld id="{7CFB0BCE-98C7-46FE-B554-DC6C72F398B9}" type="datetime1">
+            <a:fld id="{B9F25BA1-FF47-4463-809D-BF86F1D4760E}" type="datetime1">
               <a:rPr lang="es-ES" noProof="0" smtClean="0"/>
               <a:t>22/06/2022</a:t>
             </a:fld>
@@ -6128,7 +6128,7 @@
           </a:lstStyle>
           <a:p>
             <a:pPr rtl="0"/>
-            <a:fld id="{9AD75807-E084-4E7A-BDB2-38BB6161F78F}" type="datetime1">
+            <a:fld id="{8CFC7E9F-E374-4F10-91A7-C4360124938E}" type="datetime1">
               <a:rPr lang="es-ES" noProof="0" smtClean="0"/>
               <a:t>22/06/2022</a:t>
             </a:fld>
@@ -6244,7 +6244,7 @@
     <p:sldLayoutId id="2147483760" r:id="rId16"/>
     <p:sldLayoutId id="2147483761" r:id="rId17"/>
   </p:sldLayoutIdLst>
-  <p:hf sldNum="0" hdr="0" ftr="0" dt="0"/>
+  <p:hf hdr="0" ftr="0" dt="0"/>
   <p:txStyles>
     <p:titleStyle>
       <a:lvl1pPr algn="l" defTabSz="457200" rtl="0" eaLnBrk="1" latinLnBrk="0" hangingPunct="1">
@@ -6657,7 +6657,7 @@
           <p:cNvPr id="5" name="Imagen 4" descr="cielo nocturno con montañas a lo lejos en el horizonte">
             <a:extLst>
               <a:ext uri="{FF2B5EF4-FFF2-40B4-BE49-F238E27FC236}">
-                <a16:creationId xmlns:a16="http://schemas.microsoft.com/office/drawing/2014/main" xmlns="" id="{7C454B0C-0819-4D56-9275-BCE254DA659D}"/>
+                <a16:creationId xmlns="" xmlns:a16="http://schemas.microsoft.com/office/drawing/2014/main" id="{7C454B0C-0819-4D56-9275-BCE254DA659D}"/>
               </a:ext>
             </a:extLst>
           </p:cNvPr>
@@ -6693,7 +6693,7 @@
           <p:cNvPr id="2" name="Título 1">
             <a:extLst>
               <a:ext uri="{FF2B5EF4-FFF2-40B4-BE49-F238E27FC236}">
-                <a16:creationId xmlns:a16="http://schemas.microsoft.com/office/drawing/2014/main" xmlns="" id="{340C7600-5BA8-4A54-887F-74AF87750A31}"/>
+                <a16:creationId xmlns="" xmlns:a16="http://schemas.microsoft.com/office/drawing/2014/main" id="{340C7600-5BA8-4A54-887F-74AF87750A31}"/>
               </a:ext>
             </a:extLst>
           </p:cNvPr>
@@ -6722,7 +6722,7 @@
           <p:cNvPr id="3" name="Subtítulo 2">
             <a:extLst>
               <a:ext uri="{FF2B5EF4-FFF2-40B4-BE49-F238E27FC236}">
-                <a16:creationId xmlns:a16="http://schemas.microsoft.com/office/drawing/2014/main" xmlns="" id="{AE584786-6548-4BB4-95FD-977AD1F362C6}"/>
+                <a16:creationId xmlns="" xmlns:a16="http://schemas.microsoft.com/office/drawing/2014/main" id="{AE584786-6548-4BB4-95FD-977AD1F362C6}"/>
               </a:ext>
             </a:extLst>
           </p:cNvPr>
@@ -6812,6 +6812,30 @@
           </a:xfrm>
         </p:spPr>
       </p:pic>
+      <p:sp>
+        <p:nvSpPr>
+          <p:cNvPr id="2" name="Marcador de número de diapositiva 1"/>
+          <p:cNvSpPr>
+            <a:spLocks noGrp="1"/>
+          </p:cNvSpPr>
+          <p:nvPr>
+            <p:ph type="sldNum" sz="quarter" idx="12"/>
+          </p:nvPr>
+        </p:nvSpPr>
+        <p:spPr/>
+        <p:txBody>
+          <a:bodyPr/>
+          <a:lstStyle/>
+          <a:p>
+            <a:pPr rtl="0"/>
+            <a:fld id="{69E57DC2-970A-4B3E-BB1C-7A09969E49DF}" type="slidenum">
+              <a:rPr lang="es-ES" noProof="0" smtClean="0"/>
+              <a:t>10</a:t>
+            </a:fld>
+            <a:endParaRPr lang="es-ES" noProof="0"/>
+          </a:p>
+        </p:txBody>
+      </p:sp>
     </p:spTree>
     <p:extLst>
       <p:ext uri="{BB962C8B-B14F-4D97-AF65-F5344CB8AC3E}">
@@ -6822,6 +6846,13 @@
   <p:clrMapOvr>
     <a:masterClrMapping/>
   </p:clrMapOvr>
+  <p:timing>
+    <p:tnLst>
+      <p:par>
+        <p:cTn id="1" dur="indefinite" restart="never" nodeType="tmRoot"/>
+      </p:par>
+    </p:tnLst>
+  </p:timing>
 </p:sld>
 </file>
 
@@ -6871,6 +6902,30 @@
           </a:xfrm>
         </p:spPr>
       </p:pic>
+      <p:sp>
+        <p:nvSpPr>
+          <p:cNvPr id="2" name="Marcador de número de diapositiva 1"/>
+          <p:cNvSpPr>
+            <a:spLocks noGrp="1"/>
+          </p:cNvSpPr>
+          <p:nvPr>
+            <p:ph type="sldNum" sz="quarter" idx="12"/>
+          </p:nvPr>
+        </p:nvSpPr>
+        <p:spPr/>
+        <p:txBody>
+          <a:bodyPr/>
+          <a:lstStyle/>
+          <a:p>
+            <a:pPr rtl="0"/>
+            <a:fld id="{69E57DC2-970A-4B3E-BB1C-7A09969E49DF}" type="slidenum">
+              <a:rPr lang="es-ES" noProof="0" smtClean="0"/>
+              <a:t>11</a:t>
+            </a:fld>
+            <a:endParaRPr lang="es-ES" noProof="0"/>
+          </a:p>
+        </p:txBody>
+      </p:sp>
     </p:spTree>
     <p:extLst>
       <p:ext uri="{BB962C8B-B14F-4D97-AF65-F5344CB8AC3E}">
@@ -6881,6 +6936,13 @@
   <p:clrMapOvr>
     <a:masterClrMapping/>
   </p:clrMapOvr>
+  <p:timing>
+    <p:tnLst>
+      <p:par>
+        <p:cTn id="1" dur="indefinite" restart="never" nodeType="tmRoot"/>
+      </p:par>
+    </p:tnLst>
+  </p:timing>
 </p:sld>
 </file>
 
@@ -6930,6 +6992,30 @@
           </a:xfrm>
         </p:spPr>
       </p:pic>
+      <p:sp>
+        <p:nvSpPr>
+          <p:cNvPr id="2" name="Marcador de número de diapositiva 1"/>
+          <p:cNvSpPr>
+            <a:spLocks noGrp="1"/>
+          </p:cNvSpPr>
+          <p:nvPr>
+            <p:ph type="sldNum" sz="quarter" idx="12"/>
+          </p:nvPr>
+        </p:nvSpPr>
+        <p:spPr/>
+        <p:txBody>
+          <a:bodyPr/>
+          <a:lstStyle/>
+          <a:p>
+            <a:pPr rtl="0"/>
+            <a:fld id="{69E57DC2-970A-4B3E-BB1C-7A09969E49DF}" type="slidenum">
+              <a:rPr lang="es-ES" noProof="0" smtClean="0"/>
+              <a:t>12</a:t>
+            </a:fld>
+            <a:endParaRPr lang="es-ES" noProof="0"/>
+          </a:p>
+        </p:txBody>
+      </p:sp>
     </p:spTree>
     <p:extLst>
       <p:ext uri="{BB962C8B-B14F-4D97-AF65-F5344CB8AC3E}">
@@ -6940,6 +7026,13 @@
   <p:clrMapOvr>
     <a:masterClrMapping/>
   </p:clrMapOvr>
+  <p:timing>
+    <p:tnLst>
+      <p:par>
+        <p:cTn id="1" dur="indefinite" restart="never" nodeType="tmRoot"/>
+      </p:par>
+    </p:tnLst>
+  </p:timing>
 </p:sld>
 </file>
 
@@ -7019,6 +7112,54 @@
           </a:prstGeom>
         </p:spPr>
       </p:pic>
+      <p:sp>
+        <p:nvSpPr>
+          <p:cNvPr id="2" name="Marcador de número de diapositiva 1"/>
+          <p:cNvSpPr>
+            <a:spLocks noGrp="1"/>
+          </p:cNvSpPr>
+          <p:nvPr>
+            <p:ph type="sldNum" sz="quarter" idx="12"/>
+          </p:nvPr>
+        </p:nvSpPr>
+        <p:spPr/>
+        <p:txBody>
+          <a:bodyPr/>
+          <a:lstStyle/>
+          <a:p>
+            <a:pPr rtl="0"/>
+            <a:fld id="{69E57DC2-970A-4B3E-BB1C-7A09969E49DF}" type="slidenum">
+              <a:rPr lang="es-ES" noProof="0" smtClean="0"/>
+              <a:t>13</a:t>
+            </a:fld>
+            <a:endParaRPr lang="es-ES" noProof="0"/>
+          </a:p>
+        </p:txBody>
+      </p:sp>
+      <p:pic>
+        <p:nvPicPr>
+          <p:cNvPr id="3" name="Imagen 2"/>
+          <p:cNvPicPr>
+            <a:picLocks noChangeAspect="1"/>
+          </p:cNvPicPr>
+          <p:nvPr/>
+        </p:nvPicPr>
+        <p:blipFill>
+          <a:blip r:embed="rId4"/>
+          <a:stretch>
+            <a:fillRect/>
+          </a:stretch>
+        </p:blipFill>
+        <p:spPr>
+          <a:xfrm>
+            <a:off x="6580560" y="2108992"/>
+            <a:ext cx="694884" cy="1158994"/>
+          </a:xfrm>
+          <a:prstGeom prst="rect">
+            <a:avLst/>
+          </a:prstGeom>
+        </p:spPr>
+      </p:pic>
     </p:spTree>
     <p:extLst>
       <p:ext uri="{BB962C8B-B14F-4D97-AF65-F5344CB8AC3E}">
@@ -7029,6 +7170,13 @@
   <p:clrMapOvr>
     <a:masterClrMapping/>
   </p:clrMapOvr>
+  <p:timing>
+    <p:tnLst>
+      <p:par>
+        <p:cTn id="1" dur="indefinite" restart="never" nodeType="tmRoot"/>
+      </p:par>
+    </p:tnLst>
+  </p:timing>
 </p:sld>
 </file>
 
@@ -7078,6 +7226,30 @@
           </a:xfrm>
         </p:spPr>
       </p:pic>
+      <p:sp>
+        <p:nvSpPr>
+          <p:cNvPr id="2" name="Marcador de número de diapositiva 1"/>
+          <p:cNvSpPr>
+            <a:spLocks noGrp="1"/>
+          </p:cNvSpPr>
+          <p:nvPr>
+            <p:ph type="sldNum" sz="quarter" idx="12"/>
+          </p:nvPr>
+        </p:nvSpPr>
+        <p:spPr/>
+        <p:txBody>
+          <a:bodyPr/>
+          <a:lstStyle/>
+          <a:p>
+            <a:pPr rtl="0"/>
+            <a:fld id="{69E57DC2-970A-4B3E-BB1C-7A09969E49DF}" type="slidenum">
+              <a:rPr lang="es-ES" noProof="0" smtClean="0"/>
+              <a:t>14</a:t>
+            </a:fld>
+            <a:endParaRPr lang="es-ES" noProof="0"/>
+          </a:p>
+        </p:txBody>
+      </p:sp>
     </p:spTree>
     <p:extLst>
       <p:ext uri="{BB962C8B-B14F-4D97-AF65-F5344CB8AC3E}">
@@ -7088,6 +7260,13 @@
   <p:clrMapOvr>
     <a:masterClrMapping/>
   </p:clrMapOvr>
+  <p:timing>
+    <p:tnLst>
+      <p:par>
+        <p:cTn id="1" dur="indefinite" restart="never" nodeType="tmRoot"/>
+      </p:par>
+    </p:tnLst>
+  </p:timing>
 </p:sld>
 </file>
 
@@ -7165,6 +7344,30 @@
           </a:prstGeom>
         </p:spPr>
       </p:pic>
+      <p:sp>
+        <p:nvSpPr>
+          <p:cNvPr id="2" name="Marcador de número de diapositiva 1"/>
+          <p:cNvSpPr>
+            <a:spLocks noGrp="1"/>
+          </p:cNvSpPr>
+          <p:nvPr>
+            <p:ph type="sldNum" sz="quarter" idx="12"/>
+          </p:nvPr>
+        </p:nvSpPr>
+        <p:spPr/>
+        <p:txBody>
+          <a:bodyPr/>
+          <a:lstStyle/>
+          <a:p>
+            <a:pPr rtl="0"/>
+            <a:fld id="{69E57DC2-970A-4B3E-BB1C-7A09969E49DF}" type="slidenum">
+              <a:rPr lang="es-ES" noProof="0" smtClean="0"/>
+              <a:t>15</a:t>
+            </a:fld>
+            <a:endParaRPr lang="es-ES" noProof="0"/>
+          </a:p>
+        </p:txBody>
+      </p:sp>
     </p:spTree>
     <p:extLst>
       <p:ext uri="{BB962C8B-B14F-4D97-AF65-F5344CB8AC3E}">
@@ -7175,6 +7378,13 @@
   <p:clrMapOvr>
     <a:masterClrMapping/>
   </p:clrMapOvr>
+  <p:timing>
+    <p:tnLst>
+      <p:par>
+        <p:cTn id="1" dur="indefinite" restart="never" nodeType="tmRoot"/>
+      </p:par>
+    </p:tnLst>
+  </p:timing>
 </p:sld>
 </file>
 
@@ -7224,6 +7434,30 @@
           </a:xfrm>
         </p:spPr>
       </p:pic>
+      <p:sp>
+        <p:nvSpPr>
+          <p:cNvPr id="2" name="Marcador de número de diapositiva 1"/>
+          <p:cNvSpPr>
+            <a:spLocks noGrp="1"/>
+          </p:cNvSpPr>
+          <p:nvPr>
+            <p:ph type="sldNum" sz="quarter" idx="12"/>
+          </p:nvPr>
+        </p:nvSpPr>
+        <p:spPr/>
+        <p:txBody>
+          <a:bodyPr/>
+          <a:lstStyle/>
+          <a:p>
+            <a:pPr rtl="0"/>
+            <a:fld id="{69E57DC2-970A-4B3E-BB1C-7A09969E49DF}" type="slidenum">
+              <a:rPr lang="es-ES" noProof="0" smtClean="0"/>
+              <a:t>16</a:t>
+            </a:fld>
+            <a:endParaRPr lang="es-ES" noProof="0"/>
+          </a:p>
+        </p:txBody>
+      </p:sp>
     </p:spTree>
     <p:extLst>
       <p:ext uri="{BB962C8B-B14F-4D97-AF65-F5344CB8AC3E}">
@@ -7234,6 +7468,13 @@
   <p:clrMapOvr>
     <a:masterClrMapping/>
   </p:clrMapOvr>
+  <p:timing>
+    <p:tnLst>
+      <p:par>
+        <p:cTn id="1" dur="indefinite" restart="never" nodeType="tmRoot"/>
+      </p:par>
+    </p:tnLst>
+  </p:timing>
 </p:sld>
 </file>
 
@@ -7283,6 +7524,30 @@
           </a:xfrm>
         </p:spPr>
       </p:pic>
+      <p:sp>
+        <p:nvSpPr>
+          <p:cNvPr id="2" name="Marcador de número de diapositiva 1"/>
+          <p:cNvSpPr>
+            <a:spLocks noGrp="1"/>
+          </p:cNvSpPr>
+          <p:nvPr>
+            <p:ph type="sldNum" sz="quarter" idx="12"/>
+          </p:nvPr>
+        </p:nvSpPr>
+        <p:spPr/>
+        <p:txBody>
+          <a:bodyPr/>
+          <a:lstStyle/>
+          <a:p>
+            <a:pPr rtl="0"/>
+            <a:fld id="{69E57DC2-970A-4B3E-BB1C-7A09969E49DF}" type="slidenum">
+              <a:rPr lang="es-ES" noProof="0" smtClean="0"/>
+              <a:t>17</a:t>
+            </a:fld>
+            <a:endParaRPr lang="es-ES" noProof="0"/>
+          </a:p>
+        </p:txBody>
+      </p:sp>
     </p:spTree>
     <p:extLst>
       <p:ext uri="{BB962C8B-B14F-4D97-AF65-F5344CB8AC3E}">
@@ -7293,6 +7558,13 @@
   <p:clrMapOvr>
     <a:masterClrMapping/>
   </p:clrMapOvr>
+  <p:timing>
+    <p:tnLst>
+      <p:par>
+        <p:cTn id="1" dur="indefinite" restart="never" nodeType="tmRoot"/>
+      </p:par>
+    </p:tnLst>
+  </p:timing>
 </p:sld>
 </file>
 
@@ -7343,6 +7615,30 @@
           </a:prstGeom>
         </p:spPr>
       </p:pic>
+      <p:sp>
+        <p:nvSpPr>
+          <p:cNvPr id="3" name="Marcador de número de diapositiva 2"/>
+          <p:cNvSpPr>
+            <a:spLocks noGrp="1"/>
+          </p:cNvSpPr>
+          <p:nvPr>
+            <p:ph type="sldNum" sz="quarter" idx="12"/>
+          </p:nvPr>
+        </p:nvSpPr>
+        <p:spPr/>
+        <p:txBody>
+          <a:bodyPr/>
+          <a:lstStyle/>
+          <a:p>
+            <a:pPr rtl="0"/>
+            <a:fld id="{69E57DC2-970A-4B3E-BB1C-7A09969E49DF}" type="slidenum">
+              <a:rPr lang="es-ES" noProof="0" smtClean="0"/>
+              <a:t>18</a:t>
+            </a:fld>
+            <a:endParaRPr lang="es-ES" noProof="0" dirty="0"/>
+          </a:p>
+        </p:txBody>
+      </p:sp>
     </p:spTree>
     <p:extLst>
       <p:ext uri="{BB962C8B-B14F-4D97-AF65-F5344CB8AC3E}">
@@ -7353,6 +7649,13 @@
   <p:clrMapOvr>
     <a:masterClrMapping/>
   </p:clrMapOvr>
+  <p:timing>
+    <p:tnLst>
+      <p:par>
+        <p:cTn id="1" dur="indefinite" restart="never" nodeType="tmRoot"/>
+      </p:par>
+    </p:tnLst>
+  </p:timing>
 </p:sld>
 </file>
 
@@ -7402,6 +7705,30 @@
           </a:prstGeom>
         </p:spPr>
       </p:pic>
+      <p:sp>
+        <p:nvSpPr>
+          <p:cNvPr id="3" name="Marcador de número de diapositiva 2"/>
+          <p:cNvSpPr>
+            <a:spLocks noGrp="1"/>
+          </p:cNvSpPr>
+          <p:nvPr>
+            <p:ph type="sldNum" sz="quarter" idx="12"/>
+          </p:nvPr>
+        </p:nvSpPr>
+        <p:spPr/>
+        <p:txBody>
+          <a:bodyPr/>
+          <a:lstStyle/>
+          <a:p>
+            <a:pPr rtl="0"/>
+            <a:fld id="{69E57DC2-970A-4B3E-BB1C-7A09969E49DF}" type="slidenum">
+              <a:rPr lang="es-ES" noProof="0" smtClean="0"/>
+              <a:t>19</a:t>
+            </a:fld>
+            <a:endParaRPr lang="es-ES" noProof="0" dirty="0"/>
+          </a:p>
+        </p:txBody>
+      </p:sp>
     </p:spTree>
     <p:extLst>
       <p:ext uri="{BB962C8B-B14F-4D97-AF65-F5344CB8AC3E}">
@@ -7412,6 +7739,13 @@
   <p:clrMapOvr>
     <a:masterClrMapping/>
   </p:clrMapOvr>
+  <p:timing>
+    <p:tnLst>
+      <p:par>
+        <p:cTn id="1" dur="indefinite" restart="never" nodeType="tmRoot"/>
+      </p:par>
+    </p:tnLst>
+  </p:timing>
 </p:sld>
 </file>
 
@@ -7522,6 +7856,30 @@
           </a:xfrm>
         </p:spPr>
       </p:pic>
+      <p:sp>
+        <p:nvSpPr>
+          <p:cNvPr id="3" name="Marcador de número de diapositiva 2"/>
+          <p:cNvSpPr>
+            <a:spLocks noGrp="1"/>
+          </p:cNvSpPr>
+          <p:nvPr>
+            <p:ph type="sldNum" sz="quarter" idx="12"/>
+          </p:nvPr>
+        </p:nvSpPr>
+        <p:spPr/>
+        <p:txBody>
+          <a:bodyPr/>
+          <a:lstStyle/>
+          <a:p>
+            <a:pPr rtl="0"/>
+            <a:fld id="{69E57DC2-970A-4B3E-BB1C-7A09969E49DF}" type="slidenum">
+              <a:rPr lang="es-ES" noProof="0" smtClean="0"/>
+              <a:t>2</a:t>
+            </a:fld>
+            <a:endParaRPr lang="es-ES" noProof="0" dirty="0"/>
+          </a:p>
+        </p:txBody>
+      </p:sp>
     </p:spTree>
     <p:extLst>
       <p:ext uri="{BB962C8B-B14F-4D97-AF65-F5344CB8AC3E}">
@@ -7564,7 +7922,7 @@
           <p:cNvPr id="5" name="Imagen 4" descr="puntos de luz">
             <a:extLst>
               <a:ext uri="{FF2B5EF4-FFF2-40B4-BE49-F238E27FC236}">
-                <a16:creationId xmlns:a16="http://schemas.microsoft.com/office/drawing/2014/main" xmlns="" id="{20A520D0-11CF-4639-8537-F56A8A2FDCFD}"/>
+                <a16:creationId xmlns="" xmlns:a16="http://schemas.microsoft.com/office/drawing/2014/main" id="{20A520D0-11CF-4639-8537-F56A8A2FDCFD}"/>
               </a:ext>
             </a:extLst>
           </p:cNvPr>
@@ -7600,7 +7958,7 @@
           <p:cNvPr id="2" name="Título 1">
             <a:extLst>
               <a:ext uri="{FF2B5EF4-FFF2-40B4-BE49-F238E27FC236}">
-                <a16:creationId xmlns:a16="http://schemas.microsoft.com/office/drawing/2014/main" xmlns="" id="{D44BCB7C-A6FC-4118-9027-468ECFDE6455}"/>
+                <a16:creationId xmlns="" xmlns:a16="http://schemas.microsoft.com/office/drawing/2014/main" id="{D44BCB7C-A6FC-4118-9027-468ECFDE6455}"/>
               </a:ext>
             </a:extLst>
           </p:cNvPr>
@@ -7636,7 +7994,7 @@
           <p:cNvPr id="3" name="Subtítulo 2">
             <a:extLst>
               <a:ext uri="{FF2B5EF4-FFF2-40B4-BE49-F238E27FC236}">
-                <a16:creationId xmlns:a16="http://schemas.microsoft.com/office/drawing/2014/main" xmlns="" id="{4B64FA72-B055-4AE3-A6FD-8071BD687CBE}"/>
+                <a16:creationId xmlns="" xmlns:a16="http://schemas.microsoft.com/office/drawing/2014/main" id="{4B64FA72-B055-4AE3-A6FD-8071BD687CBE}"/>
               </a:ext>
             </a:extLst>
           </p:cNvPr>
@@ -7747,6 +8105,30 @@
           </a:xfrm>
         </p:spPr>
       </p:pic>
+      <p:sp>
+        <p:nvSpPr>
+          <p:cNvPr id="2" name="Marcador de número de diapositiva 1"/>
+          <p:cNvSpPr>
+            <a:spLocks noGrp="1"/>
+          </p:cNvSpPr>
+          <p:nvPr>
+            <p:ph type="sldNum" sz="quarter" idx="12"/>
+          </p:nvPr>
+        </p:nvSpPr>
+        <p:spPr/>
+        <p:txBody>
+          <a:bodyPr/>
+          <a:lstStyle/>
+          <a:p>
+            <a:pPr rtl="0"/>
+            <a:fld id="{69E57DC2-970A-4B3E-BB1C-7A09969E49DF}" type="slidenum">
+              <a:rPr lang="es-ES" noProof="0" smtClean="0"/>
+              <a:t>3</a:t>
+            </a:fld>
+            <a:endParaRPr lang="es-ES" noProof="0"/>
+          </a:p>
+        </p:txBody>
+      </p:sp>
     </p:spTree>
     <p:extLst>
       <p:ext uri="{BB962C8B-B14F-4D97-AF65-F5344CB8AC3E}">
@@ -7757,6 +8139,13 @@
   <p:clrMapOvr>
     <a:masterClrMapping/>
   </p:clrMapOvr>
+  <p:timing>
+    <p:tnLst>
+      <p:par>
+        <p:cTn id="1" dur="indefinite" restart="never" nodeType="tmRoot"/>
+      </p:par>
+    </p:tnLst>
+  </p:timing>
 </p:sld>
 </file>
 
@@ -7902,6 +8291,30 @@
                 <a:schemeClr val="bg1"/>
               </a:solidFill>
             </a:endParaRPr>
+          </a:p>
+        </p:txBody>
+      </p:sp>
+      <p:sp>
+        <p:nvSpPr>
+          <p:cNvPr id="2" name="Marcador de número de diapositiva 1"/>
+          <p:cNvSpPr>
+            <a:spLocks noGrp="1"/>
+          </p:cNvSpPr>
+          <p:nvPr>
+            <p:ph type="sldNum" sz="quarter" idx="12"/>
+          </p:nvPr>
+        </p:nvSpPr>
+        <p:spPr/>
+        <p:txBody>
+          <a:bodyPr/>
+          <a:lstStyle/>
+          <a:p>
+            <a:pPr rtl="0"/>
+            <a:fld id="{69E57DC2-970A-4B3E-BB1C-7A09969E49DF}" type="slidenum">
+              <a:rPr lang="es-ES" noProof="0" smtClean="0"/>
+              <a:t>4</a:t>
+            </a:fld>
+            <a:endParaRPr lang="es-ES" noProof="0"/>
           </a:p>
         </p:txBody>
       </p:sp>
@@ -7971,6 +8384,30 @@
           </a:xfrm>
         </p:spPr>
       </p:pic>
+      <p:sp>
+        <p:nvSpPr>
+          <p:cNvPr id="2" name="Marcador de número de diapositiva 1"/>
+          <p:cNvSpPr>
+            <a:spLocks noGrp="1"/>
+          </p:cNvSpPr>
+          <p:nvPr>
+            <p:ph type="sldNum" sz="quarter" idx="12"/>
+          </p:nvPr>
+        </p:nvSpPr>
+        <p:spPr/>
+        <p:txBody>
+          <a:bodyPr/>
+          <a:lstStyle/>
+          <a:p>
+            <a:pPr rtl="0"/>
+            <a:fld id="{69E57DC2-970A-4B3E-BB1C-7A09969E49DF}" type="slidenum">
+              <a:rPr lang="es-ES" noProof="0" smtClean="0"/>
+              <a:t>5</a:t>
+            </a:fld>
+            <a:endParaRPr lang="es-ES" noProof="0"/>
+          </a:p>
+        </p:txBody>
+      </p:sp>
     </p:spTree>
     <p:extLst>
       <p:ext uri="{BB962C8B-B14F-4D97-AF65-F5344CB8AC3E}">
@@ -7981,6 +8418,13 @@
   <p:clrMapOvr>
     <a:masterClrMapping/>
   </p:clrMapOvr>
+  <p:timing>
+    <p:tnLst>
+      <p:par>
+        <p:cTn id="1" dur="indefinite" restart="never" nodeType="tmRoot"/>
+      </p:par>
+    </p:tnLst>
+  </p:timing>
 </p:sld>
 </file>
 
@@ -8243,6 +8687,30 @@
           <a:p>
             <a:pPr algn="ctr"/>
             <a:endParaRPr lang="es-MX" u="sng" dirty="0"/>
+          </a:p>
+        </p:txBody>
+      </p:sp>
+      <p:sp>
+        <p:nvSpPr>
+          <p:cNvPr id="2" name="Marcador de número de diapositiva 1"/>
+          <p:cNvSpPr>
+            <a:spLocks noGrp="1"/>
+          </p:cNvSpPr>
+          <p:nvPr>
+            <p:ph type="sldNum" sz="quarter" idx="12"/>
+          </p:nvPr>
+        </p:nvSpPr>
+        <p:spPr/>
+        <p:txBody>
+          <a:bodyPr/>
+          <a:lstStyle/>
+          <a:p>
+            <a:pPr rtl="0"/>
+            <a:fld id="{69E57DC2-970A-4B3E-BB1C-7A09969E49DF}" type="slidenum">
+              <a:rPr lang="es-ES" noProof="0" smtClean="0"/>
+              <a:t>6</a:t>
+            </a:fld>
+            <a:endParaRPr lang="es-ES" noProof="0"/>
           </a:p>
         </p:txBody>
       </p:sp>
@@ -8409,6 +8877,30 @@
           <a:p>
             <a:pPr algn="ctr"/>
             <a:endParaRPr lang="es-MX" u="sng" dirty="0"/>
+          </a:p>
+        </p:txBody>
+      </p:sp>
+      <p:sp>
+        <p:nvSpPr>
+          <p:cNvPr id="3" name="Marcador de número de diapositiva 2"/>
+          <p:cNvSpPr>
+            <a:spLocks noGrp="1"/>
+          </p:cNvSpPr>
+          <p:nvPr>
+            <p:ph type="sldNum" sz="quarter" idx="12"/>
+          </p:nvPr>
+        </p:nvSpPr>
+        <p:spPr/>
+        <p:txBody>
+          <a:bodyPr/>
+          <a:lstStyle/>
+          <a:p>
+            <a:pPr rtl="0"/>
+            <a:fld id="{69E57DC2-970A-4B3E-BB1C-7A09969E49DF}" type="slidenum">
+              <a:rPr lang="es-ES" noProof="0" smtClean="0"/>
+              <a:t>7</a:t>
+            </a:fld>
+            <a:endParaRPr lang="es-ES" noProof="0"/>
           </a:p>
         </p:txBody>
       </p:sp>
@@ -8478,6 +8970,30 @@
           </a:xfrm>
         </p:spPr>
       </p:pic>
+      <p:sp>
+        <p:nvSpPr>
+          <p:cNvPr id="2" name="Marcador de número de diapositiva 1"/>
+          <p:cNvSpPr>
+            <a:spLocks noGrp="1"/>
+          </p:cNvSpPr>
+          <p:nvPr>
+            <p:ph type="sldNum" sz="quarter" idx="12"/>
+          </p:nvPr>
+        </p:nvSpPr>
+        <p:spPr/>
+        <p:txBody>
+          <a:bodyPr/>
+          <a:lstStyle/>
+          <a:p>
+            <a:pPr rtl="0"/>
+            <a:fld id="{69E57DC2-970A-4B3E-BB1C-7A09969E49DF}" type="slidenum">
+              <a:rPr lang="es-ES" noProof="0" smtClean="0"/>
+              <a:t>8</a:t>
+            </a:fld>
+            <a:endParaRPr lang="es-ES" noProof="0"/>
+          </a:p>
+        </p:txBody>
+      </p:sp>
     </p:spTree>
     <p:extLst>
       <p:ext uri="{BB962C8B-B14F-4D97-AF65-F5344CB8AC3E}">
@@ -8488,6 +9004,13 @@
   <p:clrMapOvr>
     <a:masterClrMapping/>
   </p:clrMapOvr>
+  <p:timing>
+    <p:tnLst>
+      <p:par>
+        <p:cTn id="1" dur="indefinite" restart="never" nodeType="tmRoot"/>
+      </p:par>
+    </p:tnLst>
+  </p:timing>
 </p:sld>
 </file>
 
@@ -8537,6 +9060,30 @@
           </a:p>
         </p:txBody>
       </p:sp>
+      <p:sp>
+        <p:nvSpPr>
+          <p:cNvPr id="3" name="Marcador de número de diapositiva 2"/>
+          <p:cNvSpPr>
+            <a:spLocks noGrp="1"/>
+          </p:cNvSpPr>
+          <p:nvPr>
+            <p:ph type="sldNum" sz="quarter" idx="12"/>
+          </p:nvPr>
+        </p:nvSpPr>
+        <p:spPr/>
+        <p:txBody>
+          <a:bodyPr/>
+          <a:lstStyle/>
+          <a:p>
+            <a:pPr rtl="0"/>
+            <a:fld id="{69E57DC2-970A-4B3E-BB1C-7A09969E49DF}" type="slidenum">
+              <a:rPr lang="es-ES" noProof="0" smtClean="0"/>
+              <a:t>9</a:t>
+            </a:fld>
+            <a:endParaRPr lang="es-ES" noProof="0"/>
+          </a:p>
+        </p:txBody>
+      </p:sp>
     </p:spTree>
     <p:extLst>
       <p:ext uri="{BB962C8B-B14F-4D97-AF65-F5344CB8AC3E}">
@@ -8547,6 +9094,13 @@
   <p:clrMapOvr>
     <a:masterClrMapping/>
   </p:clrMapOvr>
+  <p:timing>
+    <p:tnLst>
+      <p:par>
+        <p:cTn id="1" dur="indefinite" restart="never" nodeType="tmRoot"/>
+      </p:par>
+    </p:tnLst>
+  </p:timing>
 </p:sld>
 </file>
 
@@ -9390,15 +9944,6 @@
 </file>
 
 <file path=customXml/item1.xml><?xml version="1.0" encoding="utf-8"?>
-<?mso-contentType ?>
-<FormTemplates xmlns="http://schemas.microsoft.com/sharepoint/v3/contenttype/forms">
-  <Display>DocumentLibraryForm</Display>
-  <Edit>DocumentLibraryForm</Edit>
-  <New>DocumentLibraryForm</New>
-</FormTemplates>
-</file>
-
-<file path=customXml/item2.xml><?xml version="1.0" encoding="utf-8"?>
 <ct:contentTypeSchema xmlns:ct="http://schemas.microsoft.com/office/2006/metadata/contentType" xmlns:ma="http://schemas.microsoft.com/office/2006/metadata/properties/metaAttributes" ct:_="" ma:_="" ma:contentTypeName="Document" ma:contentTypeID="0x01010079F111ED35F8CC479449609E8A0923A6" ma:contentTypeVersion="11" ma:contentTypeDescription="Create a new document." ma:contentTypeScope="" ma:versionID="1c2eb7a32e66fb6e4260f3771546a5e2">
   <xsd:schema xmlns:xsd="http://www.w3.org/2001/XMLSchema" xmlns:xs="http://www.w3.org/2001/XMLSchema" xmlns:p="http://schemas.microsoft.com/office/2006/metadata/properties" xmlns:ns2="71af3243-3dd4-4a8d-8c0d-dd76da1f02a5" xmlns:ns3="16c05727-aa75-4e4a-9b5f-8a80a1165891" targetNamespace="http://schemas.microsoft.com/office/2006/metadata/properties" ma:root="true" ma:fieldsID="04e1f6479c48b08974ba73b5ca973489" ns2:_="" ns3:_="">
     <xsd:import namespace="71af3243-3dd4-4a8d-8c0d-dd76da1f02a5"/>
@@ -9609,6 +10154,15 @@
 </ct:contentTypeSchema>
 </file>
 
+<file path=customXml/item2.xml><?xml version="1.0" encoding="utf-8"?>
+<?mso-contentType ?>
+<FormTemplates xmlns="http://schemas.microsoft.com/sharepoint/v3/contenttype/forms">
+  <Display>DocumentLibraryForm</Display>
+  <Edit>DocumentLibraryForm</Edit>
+  <New>DocumentLibraryForm</New>
+</FormTemplates>
+</file>
+
 <file path=customXml/item3.xml><?xml version="1.0" encoding="utf-8"?>
 <p:properties xmlns:p="http://schemas.microsoft.com/office/2006/metadata/properties" xmlns:xsi="http://www.w3.org/2001/XMLSchema-instance" xmlns:pc="http://schemas.microsoft.com/office/infopath/2007/PartnerControls">
   <documentManagement>
@@ -9618,14 +10172,6 @@
 </file>
 
 <file path=customXml/itemProps1.xml><?xml version="1.0" encoding="utf-8"?>
-<ds:datastoreItem xmlns:ds="http://schemas.openxmlformats.org/officeDocument/2006/customXml" ds:itemID="{E0F1DF1E-36E3-406C-8CF7-DB13BB647087}">
-  <ds:schemaRefs>
-    <ds:schemaRef ds:uri="http://schemas.microsoft.com/sharepoint/v3/contenttype/forms"/>
-  </ds:schemaRefs>
-</ds:datastoreItem>
-</file>
-
-<file path=customXml/itemProps2.xml><?xml version="1.0" encoding="utf-8"?>
 <ds:datastoreItem xmlns:ds="http://schemas.openxmlformats.org/officeDocument/2006/customXml" ds:itemID="{9310845B-7F19-4A9A-BEE4-BEF0501E1A55}">
   <ds:schemaRefs>
     <ds:schemaRef ds:uri="http://schemas.microsoft.com/office/2006/metadata/contentType"/>
@@ -9644,19 +10190,27 @@
 </ds:datastoreItem>
 </file>
 
+<file path=customXml/itemProps2.xml><?xml version="1.0" encoding="utf-8"?>
+<ds:datastoreItem xmlns:ds="http://schemas.openxmlformats.org/officeDocument/2006/customXml" ds:itemID="{E0F1DF1E-36E3-406C-8CF7-DB13BB647087}">
+  <ds:schemaRefs>
+    <ds:schemaRef ds:uri="http://schemas.microsoft.com/sharepoint/v3/contenttype/forms"/>
+  </ds:schemaRefs>
+</ds:datastoreItem>
+</file>
+
 <file path=customXml/itemProps3.xml><?xml version="1.0" encoding="utf-8"?>
 <ds:datastoreItem xmlns:ds="http://schemas.openxmlformats.org/officeDocument/2006/customXml" ds:itemID="{B85274BF-C111-4B7A-8D90-F7666D37C131}">
   <ds:schemaRefs>
+    <ds:schemaRef ds:uri="http://schemas.microsoft.com/office/2006/metadata/properties"/>
+    <ds:schemaRef ds:uri="http://www.w3.org/XML/1998/namespace"/>
+    <ds:schemaRef ds:uri="16c05727-aa75-4e4a-9b5f-8a80a1165891"/>
+    <ds:schemaRef ds:uri="http://purl.org/dc/dcmitype/"/>
+    <ds:schemaRef ds:uri="http://schemas.openxmlformats.org/package/2006/metadata/core-properties"/>
+    <ds:schemaRef ds:uri="http://schemas.microsoft.com/office/2006/documentManagement/types"/>
+    <ds:schemaRef ds:uri="http://purl.org/dc/elements/1.1/"/>
     <ds:schemaRef ds:uri="http://schemas.microsoft.com/office/infopath/2007/PartnerControls"/>
+    <ds:schemaRef ds:uri="71af3243-3dd4-4a8d-8c0d-dd76da1f02a5"/>
     <ds:schemaRef ds:uri="http://purl.org/dc/terms/"/>
-    <ds:schemaRef ds:uri="http://purl.org/dc/elements/1.1/"/>
-    <ds:schemaRef ds:uri="http://schemas.openxmlformats.org/package/2006/metadata/core-properties"/>
-    <ds:schemaRef ds:uri="16c05727-aa75-4e4a-9b5f-8a80a1165891"/>
-    <ds:schemaRef ds:uri="http://www.w3.org/XML/1998/namespace"/>
-    <ds:schemaRef ds:uri="http://schemas.microsoft.com/office/2006/documentManagement/types"/>
-    <ds:schemaRef ds:uri="71af3243-3dd4-4a8d-8c0d-dd76da1f02a5"/>
-    <ds:schemaRef ds:uri="http://schemas.microsoft.com/office/2006/metadata/properties"/>
-    <ds:schemaRef ds:uri="http://purl.org/dc/dcmitype/"/>
   </ds:schemaRefs>
 </ds:datastoreItem>
 </file>